--- a/Presentation/Team15_Presentation_3.0.pptx
+++ b/Presentation/Team15_Presentation_3.0.pptx
@@ -19430,20 +19430,17 @@
                 <a:cs typeface="Calibri"/>
                 <a:sym typeface="Calibri"/>
               </a:rPr>
-              <a:t>Test </a:t>
+              <a:t>Prototyping</a:t>
             </a:r>
-            <a:r>
-              <a:rPr lang="en-US" sz="4400" b="0" i="0" u="none" strike="noStrike" cap="none" dirty="0">
-                <a:solidFill>
-                  <a:schemeClr val="dk1"/>
-                </a:solidFill>
-                <a:latin typeface="Calibri"/>
-                <a:ea typeface="Calibri"/>
-                <a:cs typeface="Calibri"/>
-                <a:sym typeface="Calibri"/>
-              </a:rPr>
-              <a:t>Rig</a:t>
-            </a:r>
+            <a:endParaRPr lang="en-US" sz="4400" b="0" i="0" u="none" strike="noStrike" cap="none" dirty="0">
+              <a:solidFill>
+                <a:schemeClr val="dk1"/>
+              </a:solidFill>
+              <a:latin typeface="Calibri"/>
+              <a:ea typeface="Calibri"/>
+              <a:cs typeface="Calibri"/>
+              <a:sym typeface="Calibri"/>
+            </a:endParaRPr>
           </a:p>
         </p:txBody>
       </p:sp>

--- a/Presentation/Team15_Presentation_3.0.pptx
+++ b/Presentation/Team15_Presentation_3.0.pptx
@@ -236,6 +236,22 @@
       </a:defRPr>
     </a:lvl9pPr>
   </p:defaultTextStyle>
+  <p:extLst>
+    <p:ext uri="{EFAFB233-063F-42B5-8137-9DF3F51BA10A}">
+      <p15:sldGuideLst xmlns:p15="http://schemas.microsoft.com/office/powerpoint/2012/main">
+        <p15:guide id="1" orient="horz" pos="2160">
+          <p15:clr>
+            <a:srgbClr val="A4A3A4"/>
+          </p15:clr>
+        </p15:guide>
+        <p15:guide id="2" pos="2880">
+          <p15:clr>
+            <a:srgbClr val="A4A3A4"/>
+          </p15:clr>
+        </p15:guide>
+      </p15:sldGuideLst>
+    </p:ext>
+  </p:extLst>
 </p:presentation>
 </file>
 
@@ -17218,7 +17234,7 @@
               <a:buChar char="•"/>
             </a:pPr>
             <a:r>
-              <a:rPr lang="en-US" sz="3200">
+              <a:rPr lang="en-US" sz="3200" dirty="0">
                 <a:solidFill>
                   <a:schemeClr val="dk1"/>
                 </a:solidFill>
@@ -17230,7 +17246,7 @@
               <a:t>A.C</a:t>
             </a:r>
             <a:r>
-              <a:rPr lang="en-US" sz="3200" b="0" i="0" u="none" strike="noStrike" cap="none">
+              <a:rPr lang="en-US" sz="3200" b="0" i="0" u="none" strike="noStrike" cap="none" dirty="0">
                 <a:solidFill>
                   <a:schemeClr val="dk1"/>
                 </a:solidFill>
@@ -17258,7 +17274,7 @@
               <a:buChar char="•"/>
             </a:pPr>
             <a:r>
-              <a:rPr lang="en-US" sz="1800">
+              <a:rPr lang="en-US" sz="1800" dirty="0" smtClean="0">
                 <a:solidFill>
                   <a:schemeClr val="dk1"/>
                 </a:solidFill>
@@ -17286,7 +17302,7 @@
               <a:buChar char="•"/>
             </a:pPr>
             <a:r>
-              <a:rPr lang="en-US" sz="1800">
+              <a:rPr lang="en-US" sz="1800" dirty="0" smtClean="0">
                 <a:solidFill>
                   <a:schemeClr val="dk1"/>
                 </a:solidFill>
@@ -17314,7 +17330,7 @@
               <a:buChar char="•"/>
             </a:pPr>
             <a:r>
-              <a:rPr lang="en-US" sz="1800">
+              <a:rPr lang="en-US" sz="1800" dirty="0" smtClean="0">
                 <a:solidFill>
                   <a:schemeClr val="dk1"/>
                 </a:solidFill>
@@ -17342,7 +17358,7 @@
               <a:buChar char="•"/>
             </a:pPr>
             <a:r>
-              <a:rPr lang="en-US" sz="1800">
+              <a:rPr lang="en-US" sz="1800" dirty="0" err="1" smtClean="0">
                 <a:solidFill>
                   <a:schemeClr val="dk1"/>
                 </a:solidFill>
@@ -17351,8 +17367,20 @@
                 <a:cs typeface="Calibri"/>
                 <a:sym typeface="Calibri"/>
               </a:rPr>
-              <a:t>speedDemon software integration</a:t>
+              <a:t>speedDemon</a:t>
             </a:r>
+            <a:r>
+              <a:rPr lang="en-US" sz="1800" dirty="0" smtClean="0">
+                <a:solidFill>
+                  <a:schemeClr val="dk1"/>
+                </a:solidFill>
+                <a:latin typeface="Calibri"/>
+                <a:ea typeface="Calibri"/>
+                <a:cs typeface="Calibri"/>
+                <a:sym typeface="Calibri"/>
+              </a:rPr>
+              <a:t> software integration</a:t>
+            </a:r>
           </a:p>
           <a:p>
             <a:pPr marL="0" marR="0" lvl="0" indent="0" algn="l" rtl="0">
@@ -17361,7 +17389,7 @@
               </a:spcBef>
               <a:buNone/>
             </a:pPr>
-            <a:endParaRPr sz="1800">
+            <a:endParaRPr sz="1800" dirty="0">
               <a:solidFill>
                 <a:schemeClr val="dk1"/>
               </a:solidFill>
@@ -17416,7 +17444,7 @@
               <a:buChar char="•"/>
             </a:pPr>
             <a:r>
-              <a:rPr lang="en-US" sz="3200">
+              <a:rPr lang="en-US" sz="3200" dirty="0">
                 <a:solidFill>
                   <a:schemeClr val="dk1"/>
                 </a:solidFill>
@@ -17428,7 +17456,7 @@
               <a:t>L</a:t>
             </a:r>
             <a:r>
-              <a:rPr lang="en-US" sz="3200" b="0" i="0" u="none" strike="noStrike" cap="none">
+              <a:rPr lang="en-US" sz="3200" b="0" i="0" u="none" strike="noStrike" cap="none" dirty="0">
                 <a:solidFill>
                   <a:schemeClr val="dk1"/>
                 </a:solidFill>
@@ -17437,60 +17465,66 @@
                 <a:cs typeface="Calibri"/>
                 <a:sym typeface="Calibri"/>
               </a:rPr>
-              <a:t>.H.</a:t>
+              <a:t>.H</a:t>
             </a:r>
-          </a:p>
-          <a:p>
-            <a:pPr marL="342900" marR="0" lvl="0" indent="-254000" algn="l" rtl="0">
-              <a:lnSpc>
-                <a:spcPct val="100000"/>
-              </a:lnSpc>
-              <a:spcBef>
-                <a:spcPts val="0"/>
-              </a:spcBef>
-              <a:spcAft>
-                <a:spcPts val="0"/>
-              </a:spcAft>
-              <a:buClr>
-                <a:schemeClr val="dk1"/>
+            <a:r>
+              <a:rPr lang="en-US" sz="3200" b="0" i="0" u="none" strike="noStrike" cap="none" dirty="0" smtClean="0">
+                <a:solidFill>
+                  <a:schemeClr val="dk1"/>
+                </a:solidFill>
+                <a:latin typeface="Calibri"/>
+                <a:ea typeface="Calibri"/>
+                <a:cs typeface="Calibri"/>
+                <a:sym typeface="Calibri"/>
+              </a:rPr>
+              <a:t>.</a:t>
+            </a:r>
+          </a:p>
+          <a:p>
+            <a:pPr marL="457200" lvl="0" indent="-457200">
+              <a:spcBef>
+                <a:spcPts val="360"/>
+              </a:spcBef>
+              <a:buClr>
+                <a:srgbClr val="000000"/>
               </a:buClr>
               <a:buSzPts val="1800"/>
-              <a:buFont typeface="Calibri"/>
+              <a:buFont typeface="Arial"/>
               <a:buChar char="•"/>
             </a:pPr>
             <a:r>
-              <a:rPr lang="en-US" sz="1800">
-                <a:solidFill>
-                  <a:schemeClr val="dk1"/>
-                </a:solidFill>
+              <a:rPr lang="en-US" sz="1800" dirty="0">
                 <a:latin typeface="Calibri"/>
                 <a:ea typeface="Calibri"/>
                 <a:cs typeface="Calibri"/>
                 <a:sym typeface="Calibri"/>
               </a:rPr>
-              <a:t>Software Design</a:t>
+              <a:t>Software d</a:t>
             </a:r>
-          </a:p>
-          <a:p>
-            <a:pPr marL="342900" marR="0" lvl="0" indent="-254000" algn="l" rtl="0">
-              <a:lnSpc>
-                <a:spcPct val="100000"/>
-              </a:lnSpc>
-              <a:spcBef>
-                <a:spcPts val="0"/>
-              </a:spcBef>
-              <a:spcAft>
-                <a:spcPts val="0"/>
-              </a:spcAft>
-              <a:buClr>
-                <a:schemeClr val="dk1"/>
+            <a:r>
+              <a:rPr lang="en-US" sz="1800" dirty="0" smtClean="0">
+                <a:latin typeface="Calibri"/>
+                <a:ea typeface="Calibri"/>
+                <a:cs typeface="Calibri"/>
+                <a:sym typeface="Calibri"/>
+              </a:rPr>
+              <a:t>esign</a:t>
+            </a:r>
+          </a:p>
+          <a:p>
+            <a:pPr marL="457200" lvl="0" indent="-457200">
+              <a:spcBef>
+                <a:spcPts val="360"/>
+              </a:spcBef>
+              <a:buClr>
+                <a:srgbClr val="000000"/>
               </a:buClr>
               <a:buSzPts val="1800"/>
-              <a:buFont typeface="Calibri"/>
+              <a:buFont typeface="Arial"/>
               <a:buChar char="•"/>
             </a:pPr>
             <a:r>
-              <a:rPr lang="en-US" sz="1800">
+              <a:rPr lang="en-US" sz="1800" dirty="0" smtClean="0">
                 <a:solidFill>
                   <a:schemeClr val="dk1"/>
                 </a:solidFill>
@@ -17499,29 +17533,23 @@
                 <a:cs typeface="Calibri"/>
                 <a:sym typeface="Calibri"/>
               </a:rPr>
-              <a:t>Testing Software</a:t>
+              <a:t>Testing software</a:t>
             </a:r>
           </a:p>
           <a:p>
-            <a:pPr marL="342900" marR="0" lvl="0" indent="-254000" algn="l" rtl="0">
-              <a:lnSpc>
-                <a:spcPct val="100000"/>
-              </a:lnSpc>
-              <a:spcBef>
-                <a:spcPts val="0"/>
-              </a:spcBef>
-              <a:spcAft>
-                <a:spcPts val="0"/>
-              </a:spcAft>
-              <a:buClr>
-                <a:schemeClr val="dk1"/>
+            <a:pPr marL="457200" lvl="0" indent="-457200">
+              <a:spcBef>
+                <a:spcPts val="360"/>
+              </a:spcBef>
+              <a:buClr>
+                <a:srgbClr val="000000"/>
               </a:buClr>
               <a:buSzPts val="1800"/>
-              <a:buFont typeface="Calibri"/>
+              <a:buFont typeface="Arial"/>
               <a:buChar char="•"/>
             </a:pPr>
             <a:r>
-              <a:rPr lang="en-US" sz="1800">
+              <a:rPr lang="en-US" sz="1800" b="0" i="0" u="none" strike="noStrike" cap="none" dirty="0" smtClean="0">
                 <a:solidFill>
                   <a:schemeClr val="dk1"/>
                 </a:solidFill>
@@ -17534,25 +17562,19 @@
             </a:r>
           </a:p>
           <a:p>
-            <a:pPr marL="342900" marR="0" lvl="0" indent="-254000" algn="l" rtl="0">
-              <a:lnSpc>
-                <a:spcPct val="100000"/>
-              </a:lnSpc>
-              <a:spcBef>
-                <a:spcPts val="0"/>
-              </a:spcBef>
-              <a:spcAft>
-                <a:spcPts val="0"/>
-              </a:spcAft>
-              <a:buClr>
-                <a:schemeClr val="dk1"/>
+            <a:pPr marL="457200" lvl="0" indent="-457200">
+              <a:spcBef>
+                <a:spcPts val="360"/>
+              </a:spcBef>
+              <a:buClr>
+                <a:srgbClr val="000000"/>
               </a:buClr>
               <a:buSzPts val="1800"/>
-              <a:buFont typeface="Calibri"/>
+              <a:buFont typeface="Arial"/>
               <a:buChar char="•"/>
             </a:pPr>
             <a:r>
-              <a:rPr lang="en-US" sz="1800">
+              <a:rPr lang="en-US" sz="1800" dirty="0" smtClean="0">
                 <a:solidFill>
                   <a:schemeClr val="dk1"/>
                 </a:solidFill>
@@ -17561,8 +17583,41 @@
                 <a:cs typeface="Calibri"/>
                 <a:sym typeface="Calibri"/>
               </a:rPr>
-              <a:t>Case Design</a:t>
+              <a:t>Case </a:t>
             </a:r>
+            <a:r>
+              <a:rPr lang="en-US" sz="1800" dirty="0">
+                <a:solidFill>
+                  <a:schemeClr val="dk1"/>
+                </a:solidFill>
+                <a:latin typeface="Calibri"/>
+                <a:ea typeface="Calibri"/>
+                <a:cs typeface="Calibri"/>
+                <a:sym typeface="Calibri"/>
+              </a:rPr>
+              <a:t>d</a:t>
+            </a:r>
+            <a:r>
+              <a:rPr lang="en-US" sz="1800" dirty="0" smtClean="0">
+                <a:solidFill>
+                  <a:schemeClr val="dk1"/>
+                </a:solidFill>
+                <a:latin typeface="Calibri"/>
+                <a:ea typeface="Calibri"/>
+                <a:cs typeface="Calibri"/>
+                <a:sym typeface="Calibri"/>
+              </a:rPr>
+              <a:t>esign</a:t>
+            </a:r>
+            <a:endParaRPr lang="en-US" sz="3200" b="0" i="0" u="none" strike="noStrike" cap="none" dirty="0">
+              <a:solidFill>
+                <a:schemeClr val="dk1"/>
+              </a:solidFill>
+              <a:latin typeface="Calibri"/>
+              <a:ea typeface="Calibri"/>
+              <a:cs typeface="Calibri"/>
+              <a:sym typeface="Calibri"/>
+            </a:endParaRPr>
           </a:p>
         </p:txBody>
       </p:sp>
@@ -17609,7 +17664,7 @@
               <a:buChar char="•"/>
             </a:pPr>
             <a:r>
-              <a:rPr lang="en-US" sz="3200" b="0" i="0" u="none" strike="noStrike" cap="none">
+              <a:rPr lang="en-US" sz="3200" b="0" i="0" u="none" strike="noStrike" cap="none" dirty="0">
                 <a:solidFill>
                   <a:schemeClr val="dk1"/>
                 </a:solidFill>
@@ -17640,7 +17695,7 @@
               <a:buChar char="•"/>
             </a:pPr>
             <a:r>
-              <a:rPr lang="en-US" sz="1800" b="0" i="0" u="none" strike="noStrike" cap="none">
+              <a:rPr lang="en-US" sz="1800" b="0" i="0" u="none" strike="noStrike" cap="none" dirty="0">
                 <a:solidFill>
                   <a:schemeClr val="dk1"/>
                 </a:solidFill>
@@ -17671,7 +17726,7 @@
               <a:buChar char="•"/>
             </a:pPr>
             <a:r>
-              <a:rPr lang="en-US" sz="1800" b="0" i="0" u="none" strike="noStrike" cap="none">
+              <a:rPr lang="en-US" sz="1800" b="0" i="0" u="none" strike="noStrike" cap="none" dirty="0">
                 <a:solidFill>
                   <a:schemeClr val="dk1"/>
                 </a:solidFill>
@@ -17702,7 +17757,7 @@
               <a:buChar char="•"/>
             </a:pPr>
             <a:r>
-              <a:rPr lang="en-US" sz="1800" b="0" i="0" u="none" strike="noStrike" cap="none">
+              <a:rPr lang="en-US" sz="1800" b="0" i="0" u="none" strike="noStrike" cap="none" dirty="0" err="1">
                 <a:solidFill>
                   <a:schemeClr val="dk1"/>
                 </a:solidFill>
@@ -17711,7 +17766,19 @@
                 <a:cs typeface="Calibri"/>
                 <a:sym typeface="Calibri"/>
               </a:rPr>
-              <a:t>EagleCAD custom parts</a:t>
+              <a:t>EagleCAD</a:t>
+            </a:r>
+            <a:r>
+              <a:rPr lang="en-US" sz="1800" b="0" i="0" u="none" strike="noStrike" cap="none" dirty="0">
+                <a:solidFill>
+                  <a:schemeClr val="dk1"/>
+                </a:solidFill>
+                <a:latin typeface="Calibri"/>
+                <a:ea typeface="Calibri"/>
+                <a:cs typeface="Calibri"/>
+                <a:sym typeface="Calibri"/>
+              </a:rPr>
+              <a:t> custom parts</a:t>
             </a:r>
           </a:p>
           <a:p>
@@ -17733,7 +17800,7 @@
               <a:buChar char="•"/>
             </a:pPr>
             <a:r>
-              <a:rPr lang="en-US" sz="1800" b="0" i="0" u="none" strike="noStrike" cap="none">
+              <a:rPr lang="en-US" sz="1800" b="0" i="0" u="none" strike="noStrike" cap="none" dirty="0">
                 <a:solidFill>
                   <a:schemeClr val="dk1"/>
                 </a:solidFill>
@@ -17764,7 +17831,7 @@
               <a:buChar char="•"/>
             </a:pPr>
             <a:r>
-              <a:rPr lang="en-US" sz="1800" b="0" i="0" u="none" strike="noStrike" cap="none">
+              <a:rPr lang="en-US" sz="1800" b="0" i="0" u="none" strike="noStrike" cap="none" dirty="0">
                 <a:solidFill>
                   <a:schemeClr val="dk1"/>
                 </a:solidFill>
@@ -17795,7 +17862,7 @@
               <a:buChar char="•"/>
             </a:pPr>
             <a:r>
-              <a:rPr lang="en-US" sz="1800" b="0" i="0" u="none" strike="noStrike" cap="none">
+              <a:rPr lang="en-US" sz="1800" b="0" i="0" u="none" strike="noStrike" cap="none" dirty="0">
                 <a:solidFill>
                   <a:schemeClr val="dk1"/>
                 </a:solidFill>
@@ -17820,7 +17887,7 @@
               </a:spcAft>
               <a:buNone/>
             </a:pPr>
-            <a:endParaRPr sz="1800" b="0" i="0" u="none" strike="noStrike" cap="none">
+            <a:endParaRPr sz="1800" b="0" i="0" u="none" strike="noStrike" cap="none" dirty="0">
               <a:solidFill>
                 <a:schemeClr val="dk1"/>
               </a:solidFill>

--- a/Presentation/Team15_Presentation_3.0.pptx
+++ b/Presentation/Team15_Presentation_3.0.pptx
@@ -238,7 +238,7 @@
   </p:defaultTextStyle>
   <p:extLst>
     <p:ext uri="{EFAFB233-063F-42B5-8137-9DF3F51BA10A}">
-      <p15:sldGuideLst xmlns:p15="http://schemas.microsoft.com/office/powerpoint/2012/main">
+      <p15:sldGuideLst xmlns:p15="http://schemas.microsoft.com/office/powerpoint/2012/main" xmlns="">
         <p15:guide id="1" orient="horz" pos="2160">
           <p15:clr>
             <a:srgbClr val="A4A3A4"/>
@@ -19056,6 +19056,13 @@
             </a:r>
           </a:p>
           <a:p>
+            <a:pPr indent="-342900"/>
+            <a:r>
+              <a:rPr lang="en-US" dirty="0" smtClean="0"/>
+              <a:t>User can choose different units for displayed speed</a:t>
+            </a:r>
+          </a:p>
+          <a:p>
             <a:pPr marL="342900" marR="0" lvl="0" indent="-342900" algn="l" rtl="0">
               <a:spcBef>
                 <a:spcPts val="640"/>
@@ -19071,6 +19078,18 @@
               <a:buChar char="•"/>
             </a:pPr>
             <a:r>
+              <a:rPr lang="en-US" sz="3200" b="0" i="0" u="none" strike="noStrike" cap="none" dirty="0" smtClean="0">
+                <a:solidFill>
+                  <a:schemeClr val="dk1"/>
+                </a:solidFill>
+                <a:latin typeface="Calibri"/>
+                <a:ea typeface="Calibri"/>
+                <a:cs typeface="Calibri"/>
+                <a:sym typeface="Calibri"/>
+              </a:rPr>
+              <a:t>User </a:t>
+            </a:r>
+            <a:r>
               <a:rPr lang="en-US" sz="3200" b="0" i="0" u="none" strike="noStrike" cap="none" dirty="0">
                 <a:solidFill>
                   <a:schemeClr val="dk1"/>
@@ -19080,7 +19099,7 @@
                 <a:cs typeface="Calibri"/>
                 <a:sym typeface="Calibri"/>
               </a:rPr>
-              <a:t>User can set wheel size for use with different vehicles</a:t>
+              <a:t>can set wheel size for use with different vehicles</a:t>
             </a:r>
           </a:p>
           <a:p>
@@ -19088,9 +19107,6 @@
               <a:spcBef>
                 <a:spcPts val="640"/>
               </a:spcBef>
-              <a:spcAft>
-                <a:spcPts val="0"/>
-              </a:spcAft>
               <a:buClr>
                 <a:schemeClr val="dk1"/>
               </a:buClr>
@@ -19099,7 +19115,7 @@
               <a:buChar char="•"/>
             </a:pPr>
             <a:r>
-              <a:rPr lang="en-US" sz="3200" b="0" i="0" u="none" strike="noStrike" cap="none" dirty="0">
+              <a:rPr lang="en-US" sz="3200" b="0" i="0" u="none" strike="noStrike" cap="none" dirty="0" smtClean="0">
                 <a:solidFill>
                   <a:schemeClr val="dk1"/>
                 </a:solidFill>
@@ -19108,21 +19124,8 @@
                 <a:cs typeface="Calibri"/>
                 <a:sym typeface="Calibri"/>
               </a:rPr>
-              <a:t>User can choose different units for displayed speed</a:t>
+              <a:t>Device </a:t>
             </a:r>
-          </a:p>
-          <a:p>
-            <a:pPr marL="342900" marR="0" lvl="0" indent="-342900" algn="l" rtl="0">
-              <a:spcBef>
-                <a:spcPts val="640"/>
-              </a:spcBef>
-              <a:buClr>
-                <a:schemeClr val="dk1"/>
-              </a:buClr>
-              <a:buSzPts val="3200"/>
-              <a:buFont typeface="Arial"/>
-              <a:buChar char="•"/>
-            </a:pPr>
             <a:r>
               <a:rPr lang="en-US" sz="3200" b="0" i="0" u="none" strike="noStrike" cap="none" dirty="0">
                 <a:solidFill>
@@ -19133,7 +19136,7 @@
                 <a:cs typeface="Calibri"/>
                 <a:sym typeface="Calibri"/>
               </a:rPr>
-              <a:t>Device is battery powered</a:t>
+              <a:t>is battery powered</a:t>
             </a:r>
           </a:p>
         </p:txBody>

--- a/Presentation/Team15_Presentation_3.0.pptx
+++ b/Presentation/Team15_Presentation_3.0.pptx
@@ -238,7 +238,7 @@
   </p:defaultTextStyle>
   <p:extLst>
     <p:ext uri="{EFAFB233-063F-42B5-8137-9DF3F51BA10A}">
-      <p15:sldGuideLst xmlns:p15="http://schemas.microsoft.com/office/powerpoint/2012/main" xmlns="">
+      <p15:sldGuideLst xmlns="" xmlns:p15="http://schemas.microsoft.com/office/powerpoint/2012/main">
         <p15:guide id="1" orient="horz" pos="2160">
           <p15:clr>
             <a:srgbClr val="A4A3A4"/>
@@ -15297,7 +15297,7 @@
         <p:spPr>
           <a:xfrm>
             <a:off x="457200" y="1600200"/>
-            <a:ext cx="8229600" cy="4525963"/>
+            <a:ext cx="8229600" cy="4953000"/>
           </a:xfrm>
           <a:prstGeom prst="rect">
             <a:avLst/>
@@ -15328,7 +15328,7 @@
               <a:buChar char="•"/>
             </a:pPr>
             <a:r>
-              <a:rPr lang="en-US" sz="3200" b="0" i="0" u="none" strike="noStrike" cap="none">
+              <a:rPr lang="en-US" sz="3200" b="0" i="0" u="none" strike="noStrike" cap="none" dirty="0">
                 <a:solidFill>
                   <a:schemeClr val="dk1"/>
                 </a:solidFill>
@@ -15356,7 +15356,7 @@
               <a:buChar char="–"/>
             </a:pPr>
             <a:r>
-              <a:rPr lang="en-US" sz="2800" b="0" i="0" u="none" strike="noStrike" cap="none">
+              <a:rPr lang="en-US" sz="2800" b="0" i="0" u="none" strike="noStrike" cap="none" dirty="0">
                 <a:solidFill>
                   <a:schemeClr val="dk1"/>
                 </a:solidFill>
@@ -15384,7 +15384,7 @@
               <a:buChar char="•"/>
             </a:pPr>
             <a:r>
-              <a:rPr lang="en-US" sz="3200" b="0" i="0" u="none" strike="noStrike" cap="none">
+              <a:rPr lang="en-US" sz="3200" b="0" i="0" u="none" strike="noStrike" cap="none" dirty="0">
                 <a:solidFill>
                   <a:schemeClr val="dk1"/>
                 </a:solidFill>
@@ -15393,8 +15393,29 @@
                 <a:cs typeface="Calibri"/>
                 <a:sym typeface="Calibri"/>
               </a:rPr>
-              <a:t>Le Tan Phuc</a:t>
+              <a:t>Le Tan </a:t>
             </a:r>
+            <a:r>
+              <a:rPr lang="en-US" sz="3200" b="0" i="0" u="none" strike="noStrike" cap="none" dirty="0" err="1">
+                <a:solidFill>
+                  <a:schemeClr val="dk1"/>
+                </a:solidFill>
+                <a:latin typeface="Calibri"/>
+                <a:ea typeface="Calibri"/>
+                <a:cs typeface="Calibri"/>
+                <a:sym typeface="Calibri"/>
+              </a:rPr>
+              <a:t>Phuc</a:t>
+            </a:r>
+            <a:endParaRPr lang="en-US" sz="3200" b="0" i="0" u="none" strike="noStrike" cap="none" dirty="0">
+              <a:solidFill>
+                <a:schemeClr val="dk1"/>
+              </a:solidFill>
+              <a:latin typeface="Calibri"/>
+              <a:ea typeface="Calibri"/>
+              <a:cs typeface="Calibri"/>
+              <a:sym typeface="Calibri"/>
+            </a:endParaRPr>
           </a:p>
           <a:p>
             <a:pPr marL="742950" marR="0" lvl="1" indent="-285750" algn="l" rtl="0">
@@ -15409,7 +15430,7 @@
               <a:buChar char="–"/>
             </a:pPr>
             <a:r>
-              <a:rPr lang="en-US" sz="2800" b="0" i="0" u="none" strike="noStrike" cap="none">
+              <a:rPr lang="en-US" sz="2800" b="0" i="0" u="none" strike="noStrike" cap="none" dirty="0">
                 <a:solidFill>
                   <a:schemeClr val="dk1"/>
                 </a:solidFill>
@@ -15418,8 +15439,81 @@
                 <a:cs typeface="Calibri"/>
                 <a:sym typeface="Calibri"/>
               </a:rPr>
-              <a:t>Provided tutorial on how to initialize input capture.</a:t>
+              <a:t>Provided tutorial on how to initialize input capture</a:t>
             </a:r>
+            <a:r>
+              <a:rPr lang="en-US" sz="2800" b="0" i="0" u="none" strike="noStrike" cap="none" dirty="0" smtClean="0">
+                <a:solidFill>
+                  <a:schemeClr val="dk1"/>
+                </a:solidFill>
+                <a:latin typeface="Calibri"/>
+                <a:ea typeface="Calibri"/>
+                <a:cs typeface="Calibri"/>
+                <a:sym typeface="Calibri"/>
+              </a:rPr>
+              <a:t>.</a:t>
+            </a:r>
+          </a:p>
+          <a:p>
+            <a:pPr indent="-285750">
+              <a:spcBef>
+                <a:spcPts val="560"/>
+              </a:spcBef>
+              <a:buSzPts val="2800"/>
+            </a:pPr>
+            <a:r>
+              <a:rPr lang="en-US" sz="3200" dirty="0" smtClean="0"/>
+              <a:t>Links:</a:t>
+            </a:r>
+          </a:p>
+          <a:p>
+            <a:pPr lvl="1" indent="-285750"/>
+            <a:r>
+              <a:rPr lang="en-US" dirty="0" smtClean="0">
+                <a:hlinkClick r:id="rId3"/>
+              </a:rPr>
+              <a:t>https://letanphuc.net/2015/06/stm32f0-timer-tutorial-and-counter-tutorial</a:t>
+            </a:r>
+            <a:r>
+              <a:rPr lang="en-US" dirty="0" smtClean="0">
+                <a:hlinkClick r:id="rId3"/>
+              </a:rPr>
+              <a:t>/</a:t>
+            </a:r>
+            <a:endParaRPr lang="en-US" sz="2400" dirty="0" smtClean="0"/>
+          </a:p>
+          <a:p>
+            <a:pPr lvl="1" indent="-285750"/>
+            <a:r>
+              <a:rPr lang="en-US" dirty="0" smtClean="0"/>
+              <a:t>https://www.youtube.com/watch?v=micDbBN9s9k&amp;list=PL6PplMTH29SHbfyqpSqn-2gyJZtuwzEqs</a:t>
+            </a:r>
+            <a:endParaRPr lang="en-US" sz="2800" b="0" i="0" u="none" strike="noStrike" cap="none" dirty="0" smtClean="0">
+              <a:solidFill>
+                <a:schemeClr val="dk1"/>
+              </a:solidFill>
+              <a:latin typeface="Calibri"/>
+              <a:ea typeface="Calibri"/>
+              <a:cs typeface="Calibri"/>
+              <a:sym typeface="Calibri"/>
+            </a:endParaRPr>
+          </a:p>
+          <a:p>
+            <a:pPr indent="-285750">
+              <a:spcBef>
+                <a:spcPts val="560"/>
+              </a:spcBef>
+              <a:buSzPts val="2800"/>
+            </a:pPr>
+            <a:endParaRPr lang="en-US" sz="3200" b="0" i="0" u="none" strike="noStrike" cap="none" dirty="0" smtClean="0">
+              <a:solidFill>
+                <a:schemeClr val="dk1"/>
+              </a:solidFill>
+              <a:latin typeface="Calibri"/>
+              <a:ea typeface="Calibri"/>
+              <a:cs typeface="Calibri"/>
+              <a:sym typeface="Calibri"/>
+            </a:endParaRPr>
           </a:p>
         </p:txBody>
       </p:sp>
